--- a/day_04/XEmines prob prog Day 04.pptx
+++ b/day_04/XEmines prob prog Day 04.pptx
@@ -6,15 +6,18 @@
   </p:sldMasterIdLst>
   <p:sldIdLst>
     <p:sldId id="256" r:id="rId2"/>
-    <p:sldId id="257" r:id="rId3"/>
-    <p:sldId id="258" r:id="rId4"/>
-    <p:sldId id="259" r:id="rId5"/>
-    <p:sldId id="294" r:id="rId6"/>
-    <p:sldId id="292" r:id="rId7"/>
-    <p:sldId id="293" r:id="rId8"/>
-    <p:sldId id="296" r:id="rId9"/>
-    <p:sldId id="297" r:id="rId10"/>
-    <p:sldId id="295" r:id="rId11"/>
+    <p:sldId id="296" r:id="rId3"/>
+    <p:sldId id="297" r:id="rId4"/>
+    <p:sldId id="298" r:id="rId5"/>
+    <p:sldId id="299" r:id="rId6"/>
+    <p:sldId id="300" r:id="rId7"/>
+    <p:sldId id="301" r:id="rId8"/>
+    <p:sldId id="302" r:id="rId9"/>
+    <p:sldId id="257" r:id="rId10"/>
+    <p:sldId id="258" r:id="rId11"/>
+    <p:sldId id="259" r:id="rId12"/>
+    <p:sldId id="294" r:id="rId13"/>
+    <p:sldId id="295" r:id="rId14"/>
   </p:sldIdLst>
   <p:sldSz cx="12192000" cy="6858000"/>
   <p:notesSz cx="6858000" cy="9144000"/>
@@ -121,7 +124,7 @@
             <a:srgbClr val="A4A3A4"/>
           </p15:clr>
         </p15:guide>
-        <p15:guide id="2" pos="3840" userDrawn="1">
+        <p15:guide id="2" pos="3863" userDrawn="1">
           <p15:clr>
             <a:srgbClr val="A4A3A4"/>
           </p15:clr>
@@ -280,7 +283,7 @@
           <a:lstStyle/>
           <a:p>
             <a:fld id="{503D9AF9-620B-9545-B81C-84A24F707E48}" type="datetimeFigureOut">
-              <a:t>3/15/19</a:t>
+              <a:t>3/27/19</a:t>
             </a:fld>
             <a:endParaRPr lang="fr-FR"/>
           </a:p>
@@ -478,7 +481,7 @@
           <a:lstStyle/>
           <a:p>
             <a:fld id="{503D9AF9-620B-9545-B81C-84A24F707E48}" type="datetimeFigureOut">
-              <a:t>3/15/19</a:t>
+              <a:t>3/27/19</a:t>
             </a:fld>
             <a:endParaRPr lang="fr-FR"/>
           </a:p>
@@ -686,7 +689,7 @@
           <a:lstStyle/>
           <a:p>
             <a:fld id="{503D9AF9-620B-9545-B81C-84A24F707E48}" type="datetimeFigureOut">
-              <a:t>3/15/19</a:t>
+              <a:t>3/27/19</a:t>
             </a:fld>
             <a:endParaRPr lang="fr-FR"/>
           </a:p>
@@ -884,7 +887,7 @@
           <a:lstStyle/>
           <a:p>
             <a:fld id="{503D9AF9-620B-9545-B81C-84A24F707E48}" type="datetimeFigureOut">
-              <a:t>3/15/19</a:t>
+              <a:t>3/27/19</a:t>
             </a:fld>
             <a:endParaRPr lang="fr-FR"/>
           </a:p>
@@ -1158,7 +1161,7 @@
           <a:lstStyle/>
           <a:p>
             <a:fld id="{503D9AF9-620B-9545-B81C-84A24F707E48}" type="datetimeFigureOut">
-              <a:t>3/15/19</a:t>
+              <a:t>3/27/19</a:t>
             </a:fld>
             <a:endParaRPr lang="fr-FR"/>
           </a:p>
@@ -1424,7 +1427,7 @@
           <a:lstStyle/>
           <a:p>
             <a:fld id="{503D9AF9-620B-9545-B81C-84A24F707E48}" type="datetimeFigureOut">
-              <a:t>3/15/19</a:t>
+              <a:t>3/27/19</a:t>
             </a:fld>
             <a:endParaRPr lang="fr-FR"/>
           </a:p>
@@ -1837,7 +1840,7 @@
           <a:lstStyle/>
           <a:p>
             <a:fld id="{503D9AF9-620B-9545-B81C-84A24F707E48}" type="datetimeFigureOut">
-              <a:t>3/15/19</a:t>
+              <a:t>3/27/19</a:t>
             </a:fld>
             <a:endParaRPr lang="fr-FR"/>
           </a:p>
@@ -1977,7 +1980,7 @@
           <a:lstStyle/>
           <a:p>
             <a:fld id="{503D9AF9-620B-9545-B81C-84A24F707E48}" type="datetimeFigureOut">
-              <a:t>3/15/19</a:t>
+              <a:t>3/27/19</a:t>
             </a:fld>
             <a:endParaRPr lang="fr-FR"/>
           </a:p>
@@ -2088,7 +2091,7 @@
           <a:lstStyle/>
           <a:p>
             <a:fld id="{503D9AF9-620B-9545-B81C-84A24F707E48}" type="datetimeFigureOut">
-              <a:t>3/15/19</a:t>
+              <a:t>3/27/19</a:t>
             </a:fld>
             <a:endParaRPr lang="fr-FR"/>
           </a:p>
@@ -2399,7 +2402,7 @@
           <a:lstStyle/>
           <a:p>
             <a:fld id="{503D9AF9-620B-9545-B81C-84A24F707E48}" type="datetimeFigureOut">
-              <a:t>3/15/19</a:t>
+              <a:t>3/27/19</a:t>
             </a:fld>
             <a:endParaRPr lang="fr-FR"/>
           </a:p>
@@ -2686,7 +2689,7 @@
           <a:lstStyle/>
           <a:p>
             <a:fld id="{503D9AF9-620B-9545-B81C-84A24F707E48}" type="datetimeFigureOut">
-              <a:t>3/15/19</a:t>
+              <a:t>3/27/19</a:t>
             </a:fld>
             <a:endParaRPr lang="fr-FR"/>
           </a:p>
@@ -2927,7 +2930,7 @@
           </a:lstStyle>
           <a:p>
             <a:fld id="{503D9AF9-620B-9545-B81C-84A24F707E48}" type="datetimeFigureOut">
-              <a:t>3/15/19</a:t>
+              <a:t>3/27/19</a:t>
             </a:fld>
             <a:endParaRPr lang="fr-FR"/>
           </a:p>
@@ -3394,7 +3397,7 @@
           <a:p>
             <a:r>
               <a:rPr lang="fr-FR"/>
-              <a:t>Time series: some nice some weird some What On Earth</a:t>
+              <a:t>Demand Planning Hackathon!</a:t>
             </a:r>
           </a:p>
         </p:txBody>
@@ -3434,6 +3437,299 @@
           <p:cNvPr id="2" name="Title 1">
             <a:extLst>
               <a:ext uri="{FF2B5EF4-FFF2-40B4-BE49-F238E27FC236}">
+                <a16:creationId xmlns:a16="http://schemas.microsoft.com/office/drawing/2014/main" id="{7F076905-7061-F04C-85EC-4632DF3520E5}"/>
+              </a:ext>
+            </a:extLst>
+          </p:cNvPr>
+          <p:cNvSpPr>
+            <a:spLocks noGrp="1"/>
+          </p:cNvSpPr>
+          <p:nvPr>
+            <p:ph type="title"/>
+          </p:nvPr>
+        </p:nvSpPr>
+        <p:spPr/>
+        <p:txBody>
+          <a:bodyPr/>
+          <a:lstStyle/>
+          <a:p>
+            <a:r>
+              <a:rPr lang="fr-FR"/>
+              <a:t>Modelisation Ar – MA - I</a:t>
+            </a:r>
+          </a:p>
+        </p:txBody>
+      </p:sp>
+      <p:sp>
+        <p:nvSpPr>
+          <p:cNvPr id="3" name="Content Placeholder 2">
+            <a:extLst>
+              <a:ext uri="{FF2B5EF4-FFF2-40B4-BE49-F238E27FC236}">
+                <a16:creationId xmlns:a16="http://schemas.microsoft.com/office/drawing/2014/main" id="{B62113E1-042B-4C4D-8998-E0A8B9EF75AD}"/>
+              </a:ext>
+            </a:extLst>
+          </p:cNvPr>
+          <p:cNvSpPr>
+            <a:spLocks noGrp="1"/>
+          </p:cNvSpPr>
+          <p:nvPr>
+            <p:ph idx="1"/>
+          </p:nvPr>
+        </p:nvSpPr>
+        <p:spPr/>
+        <p:txBody>
+          <a:bodyPr/>
+          <a:lstStyle/>
+          <a:p>
+            <a:r>
+              <a:rPr lang="fr-FR"/>
+              <a:t>Examples</a:t>
+            </a:r>
+          </a:p>
+          <a:p>
+            <a:r>
+              <a:rPr lang="fr-FR"/>
+              <a:t>Stationarity</a:t>
+            </a:r>
+          </a:p>
+          <a:p>
+            <a:r>
+              <a:rPr lang="fr-FR"/>
+              <a:t>see </a:t>
+            </a:r>
+            <a:r>
+              <a:rPr lang="fr-FR">
+                <a:hlinkClick r:id="rId2"/>
+              </a:rPr>
+              <a:t>https://www.ritchievink.com/blog/2018/09/26/algorithm-breakdown-ar-ma-and-arima-models/</a:t>
+            </a:r>
+            <a:r>
+              <a:rPr lang="fr-FR"/>
+              <a:t> </a:t>
+            </a:r>
+          </a:p>
+        </p:txBody>
+      </p:sp>
+    </p:spTree>
+    <p:extLst>
+      <p:ext uri="{BB962C8B-B14F-4D97-AF65-F5344CB8AC3E}">
+        <p14:creationId xmlns:p14="http://schemas.microsoft.com/office/powerpoint/2010/main" val="853098164"/>
+      </p:ext>
+    </p:extLst>
+  </p:cSld>
+  <p:clrMapOvr>
+    <a:masterClrMapping/>
+  </p:clrMapOvr>
+</p:sld>
+</file>
+
+<file path=ppt/slides/slide11.xml><?xml version="1.0" encoding="utf-8"?>
+<p:sld xmlns:a="http://schemas.openxmlformats.org/drawingml/2006/main" xmlns:r="http://schemas.openxmlformats.org/officeDocument/2006/relationships" xmlns:p="http://schemas.openxmlformats.org/presentationml/2006/main">
+  <p:cSld>
+    <p:spTree>
+      <p:nvGrpSpPr>
+        <p:cNvPr id="1" name=""/>
+        <p:cNvGrpSpPr/>
+        <p:nvPr/>
+      </p:nvGrpSpPr>
+      <p:grpSpPr>
+        <a:xfrm>
+          <a:off x="0" y="0"/>
+          <a:ext cx="0" cy="0"/>
+          <a:chOff x="0" y="0"/>
+          <a:chExt cx="0" cy="0"/>
+        </a:xfrm>
+      </p:grpSpPr>
+      <p:sp>
+        <p:nvSpPr>
+          <p:cNvPr id="2" name="Title 1">
+            <a:extLst>
+              <a:ext uri="{FF2B5EF4-FFF2-40B4-BE49-F238E27FC236}">
+                <a16:creationId xmlns:a16="http://schemas.microsoft.com/office/drawing/2014/main" id="{E68D1682-2563-6B4B-9FE2-550786D30CB5}"/>
+              </a:ext>
+            </a:extLst>
+          </p:cNvPr>
+          <p:cNvSpPr>
+            <a:spLocks noGrp="1"/>
+          </p:cNvSpPr>
+          <p:nvPr>
+            <p:ph type="title"/>
+          </p:nvPr>
+        </p:nvSpPr>
+        <p:spPr/>
+        <p:txBody>
+          <a:bodyPr/>
+          <a:lstStyle/>
+          <a:p>
+            <a:r>
+              <a:rPr lang="fr-FR"/>
+              <a:t>Order of ARIMA(,d,q)</a:t>
+            </a:r>
+          </a:p>
+        </p:txBody>
+      </p:sp>
+      <p:sp>
+        <p:nvSpPr>
+          <p:cNvPr id="3" name="Content Placeholder 2">
+            <a:extLst>
+              <a:ext uri="{FF2B5EF4-FFF2-40B4-BE49-F238E27FC236}">
+                <a16:creationId xmlns:a16="http://schemas.microsoft.com/office/drawing/2014/main" id="{A4CC4E2A-FC03-684B-8A43-1EE54D78750D}"/>
+              </a:ext>
+            </a:extLst>
+          </p:cNvPr>
+          <p:cNvSpPr>
+            <a:spLocks noGrp="1"/>
+          </p:cNvSpPr>
+          <p:nvPr>
+            <p:ph idx="1"/>
+          </p:nvPr>
+        </p:nvSpPr>
+        <p:spPr/>
+        <p:txBody>
+          <a:bodyPr/>
+          <a:lstStyle/>
+          <a:p>
+            <a:r>
+              <a:rPr lang="fr-FR"/>
+              <a:t>autocorrelation and partial autocorrelation functions</a:t>
+            </a:r>
+          </a:p>
+        </p:txBody>
+      </p:sp>
+    </p:spTree>
+    <p:extLst>
+      <p:ext uri="{BB962C8B-B14F-4D97-AF65-F5344CB8AC3E}">
+        <p14:creationId xmlns:p14="http://schemas.microsoft.com/office/powerpoint/2010/main" val="3398648227"/>
+      </p:ext>
+    </p:extLst>
+  </p:cSld>
+  <p:clrMapOvr>
+    <a:masterClrMapping/>
+  </p:clrMapOvr>
+</p:sld>
+</file>
+
+<file path=ppt/slides/slide12.xml><?xml version="1.0" encoding="utf-8"?>
+<p:sld xmlns:a="http://schemas.openxmlformats.org/drawingml/2006/main" xmlns:r="http://schemas.openxmlformats.org/officeDocument/2006/relationships" xmlns:p="http://schemas.openxmlformats.org/presentationml/2006/main">
+  <p:cSld>
+    <p:spTree>
+      <p:nvGrpSpPr>
+        <p:cNvPr id="1" name=""/>
+        <p:cNvGrpSpPr/>
+        <p:nvPr/>
+      </p:nvGrpSpPr>
+      <p:grpSpPr>
+        <a:xfrm>
+          <a:off x="0" y="0"/>
+          <a:ext cx="0" cy="0"/>
+          <a:chOff x="0" y="0"/>
+          <a:chExt cx="0" cy="0"/>
+        </a:xfrm>
+      </p:grpSpPr>
+      <p:sp>
+        <p:nvSpPr>
+          <p:cNvPr id="2" name="Title 1">
+            <a:extLst>
+              <a:ext uri="{FF2B5EF4-FFF2-40B4-BE49-F238E27FC236}">
+                <a16:creationId xmlns:a16="http://schemas.microsoft.com/office/drawing/2014/main" id="{72E75B77-B66F-7040-8F98-955BF218C143}"/>
+              </a:ext>
+            </a:extLst>
+          </p:cNvPr>
+          <p:cNvSpPr>
+            <a:spLocks noGrp="1"/>
+          </p:cNvSpPr>
+          <p:nvPr>
+            <p:ph type="title"/>
+          </p:nvPr>
+        </p:nvSpPr>
+        <p:spPr/>
+        <p:txBody>
+          <a:bodyPr/>
+          <a:lstStyle/>
+          <a:p>
+            <a:r>
+              <a:rPr lang="fr-FR"/>
+              <a:t>AR1</a:t>
+            </a:r>
+          </a:p>
+        </p:txBody>
+      </p:sp>
+      <p:sp>
+        <p:nvSpPr>
+          <p:cNvPr id="3" name="Content Placeholder 2">
+            <a:extLst>
+              <a:ext uri="{FF2B5EF4-FFF2-40B4-BE49-F238E27FC236}">
+                <a16:creationId xmlns:a16="http://schemas.microsoft.com/office/drawing/2014/main" id="{5CCA192C-EE5C-6347-8ADE-A7538B5CFBCA}"/>
+              </a:ext>
+            </a:extLst>
+          </p:cNvPr>
+          <p:cNvSpPr>
+            <a:spLocks noGrp="1"/>
+          </p:cNvSpPr>
+          <p:nvPr>
+            <p:ph idx="1"/>
+          </p:nvPr>
+        </p:nvSpPr>
+        <p:spPr/>
+        <p:txBody>
+          <a:bodyPr/>
+          <a:lstStyle/>
+          <a:p>
+            <a:r>
+              <a:rPr lang="fr-FR"/>
+              <a:t> </a:t>
+            </a:r>
+            <a:r>
+              <a:rPr lang="en-US" b="1"/>
+              <a:t>Bayesian Auto-Regressive Time Series Analysis in PYMC3</a:t>
+            </a:r>
+          </a:p>
+          <a:p>
+            <a:pPr marL="0" indent="0">
+              <a:buNone/>
+            </a:pPr>
+            <a:r>
+              <a:rPr lang="en-US"/>
+              <a:t>http://barnesanalytics.com/bayesian-auto-regressive-time-series-analysis-pymc3</a:t>
+            </a:r>
+          </a:p>
+        </p:txBody>
+      </p:sp>
+    </p:spTree>
+    <p:extLst>
+      <p:ext uri="{BB962C8B-B14F-4D97-AF65-F5344CB8AC3E}">
+        <p14:creationId xmlns:p14="http://schemas.microsoft.com/office/powerpoint/2010/main" val="1095677492"/>
+      </p:ext>
+    </p:extLst>
+  </p:cSld>
+  <p:clrMapOvr>
+    <a:masterClrMapping/>
+  </p:clrMapOvr>
+</p:sld>
+</file>
+
+<file path=ppt/slides/slide13.xml><?xml version="1.0" encoding="utf-8"?>
+<p:sld xmlns:a="http://schemas.openxmlformats.org/drawingml/2006/main" xmlns:r="http://schemas.openxmlformats.org/officeDocument/2006/relationships" xmlns:p="http://schemas.openxmlformats.org/presentationml/2006/main">
+  <p:cSld>
+    <p:spTree>
+      <p:nvGrpSpPr>
+        <p:cNvPr id="1" name=""/>
+        <p:cNvGrpSpPr/>
+        <p:nvPr/>
+      </p:nvGrpSpPr>
+      <p:grpSpPr>
+        <a:xfrm>
+          <a:off x="0" y="0"/>
+          <a:ext cx="0" cy="0"/>
+          <a:chOff x="0" y="0"/>
+          <a:chExt cx="0" cy="0"/>
+        </a:xfrm>
+      </p:grpSpPr>
+      <p:sp>
+        <p:nvSpPr>
+          <p:cNvPr id="2" name="Title 1">
+            <a:extLst>
+              <a:ext uri="{FF2B5EF4-FFF2-40B4-BE49-F238E27FC236}">
                 <a16:creationId xmlns:a16="http://schemas.microsoft.com/office/drawing/2014/main" id="{E39FB9E9-8CDA-B94B-B3AF-526B57D7BD5F}"/>
               </a:ext>
             </a:extLst>
@@ -3569,15 +3865,15 @@
           <p:cNvPr id="2" name="Title 1">
             <a:extLst>
               <a:ext uri="{FF2B5EF4-FFF2-40B4-BE49-F238E27FC236}">
-                <a16:creationId xmlns:a16="http://schemas.microsoft.com/office/drawing/2014/main" id="{BB0EB61E-8D0A-594A-8BA0-BBEF3DF1550A}"/>
-              </a:ext>
-            </a:extLst>
-          </p:cNvPr>
-          <p:cNvSpPr>
-            <a:spLocks noGrp="1"/>
-          </p:cNvSpPr>
-          <p:nvPr>
-            <p:ph type="ctrTitle"/>
+                <a16:creationId xmlns:a16="http://schemas.microsoft.com/office/drawing/2014/main" id="{CBDD6DBF-9556-2E44-A111-291BE9CC639A}"/>
+              </a:ext>
+            </a:extLst>
+          </p:cNvPr>
+          <p:cNvSpPr>
+            <a:spLocks noGrp="1"/>
+          </p:cNvSpPr>
+          <p:nvPr>
+            <p:ph type="title"/>
           </p:nvPr>
         </p:nvSpPr>
         <p:spPr/>
@@ -3587,25 +3883,25 @@
           <a:p>
             <a:r>
               <a:rPr lang="fr-FR"/>
-              <a:t>ARIMA</a:t>
-            </a:r>
-          </a:p>
-        </p:txBody>
-      </p:sp>
-      <p:sp>
-        <p:nvSpPr>
-          <p:cNvPr id="3" name="Subtitle 2">
-            <a:extLst>
-              <a:ext uri="{FF2B5EF4-FFF2-40B4-BE49-F238E27FC236}">
-                <a16:creationId xmlns:a16="http://schemas.microsoft.com/office/drawing/2014/main" id="{75856214-B0D5-CA46-B6F3-757643764184}"/>
-              </a:ext>
-            </a:extLst>
-          </p:cNvPr>
-          <p:cNvSpPr>
-            <a:spLocks noGrp="1"/>
-          </p:cNvSpPr>
-          <p:nvPr>
-            <p:ph type="subTitle" idx="1"/>
+              <a:t>Demand Planning</a:t>
+            </a:r>
+          </a:p>
+        </p:txBody>
+      </p:sp>
+      <p:sp>
+        <p:nvSpPr>
+          <p:cNvPr id="3" name="Content Placeholder 2">
+            <a:extLst>
+              <a:ext uri="{FF2B5EF4-FFF2-40B4-BE49-F238E27FC236}">
+                <a16:creationId xmlns:a16="http://schemas.microsoft.com/office/drawing/2014/main" id="{E5B3BCC3-A0BB-004C-BE90-318966D15A1C}"/>
+              </a:ext>
+            </a:extLst>
+          </p:cNvPr>
+          <p:cNvSpPr>
+            <a:spLocks noGrp="1"/>
+          </p:cNvSpPr>
+          <p:nvPr>
+            <p:ph idx="1"/>
           </p:nvPr>
         </p:nvSpPr>
         <p:spPr/>
@@ -3615,15 +3911,27 @@
           <a:p>
             <a:r>
               <a:rPr lang="fr-FR"/>
-              <a:t>recap</a:t>
-            </a:r>
+              <a:t>Supply chain</a:t>
+            </a:r>
+          </a:p>
+          <a:p>
+            <a:r>
+              <a:rPr lang="fr-FR"/>
+              <a:t>Forecasting sales</a:t>
+            </a:r>
+          </a:p>
+          <a:p>
+            <a:endParaRPr lang="fr-FR"/>
+          </a:p>
+          <a:p>
+            <a:endParaRPr lang="fr-FR"/>
           </a:p>
         </p:txBody>
       </p:sp>
     </p:spTree>
     <p:extLst>
       <p:ext uri="{BB962C8B-B14F-4D97-AF65-F5344CB8AC3E}">
-        <p14:creationId xmlns:p14="http://schemas.microsoft.com/office/powerpoint/2010/main" val="1394821738"/>
+        <p14:creationId xmlns:p14="http://schemas.microsoft.com/office/powerpoint/2010/main" val="2458557362"/>
       </p:ext>
     </p:extLst>
   </p:cSld>
@@ -3655,7 +3963,7 @@
           <p:cNvPr id="2" name="Title 1">
             <a:extLst>
               <a:ext uri="{FF2B5EF4-FFF2-40B4-BE49-F238E27FC236}">
-                <a16:creationId xmlns:a16="http://schemas.microsoft.com/office/drawing/2014/main" id="{7F076905-7061-F04C-85EC-4632DF3520E5}"/>
+                <a16:creationId xmlns:a16="http://schemas.microsoft.com/office/drawing/2014/main" id="{B7317F84-8F63-2B4C-9B39-9D4D99E004BA}"/>
               </a:ext>
             </a:extLst>
           </p:cNvPr>
@@ -3673,7 +3981,7 @@
           <a:p>
             <a:r>
               <a:rPr lang="fr-FR"/>
-              <a:t>Modelisation Ar – MA - I</a:t>
+              <a:t>Demand Planning Metrics</a:t>
             </a:r>
           </a:p>
         </p:txBody>
@@ -3683,7 +3991,7 @@
           <p:cNvPr id="3" name="Content Placeholder 2">
             <a:extLst>
               <a:ext uri="{FF2B5EF4-FFF2-40B4-BE49-F238E27FC236}">
-                <a16:creationId xmlns:a16="http://schemas.microsoft.com/office/drawing/2014/main" id="{B62113E1-042B-4C4D-8998-E0A8B9EF75AD}"/>
+                <a16:creationId xmlns:a16="http://schemas.microsoft.com/office/drawing/2014/main" id="{F96F7384-6EF5-4742-AEFF-EAA3D2173F68}"/>
               </a:ext>
             </a:extLst>
           </p:cNvPr>
@@ -3699,31 +4007,175 @@
           <a:bodyPr/>
           <a:lstStyle/>
           <a:p>
-            <a:r>
-              <a:rPr lang="fr-FR"/>
-              <a:t>Examples</a:t>
-            </a:r>
-          </a:p>
-          <a:p>
-            <a:r>
-              <a:rPr lang="fr-FR"/>
-              <a:t>Stationarity</a:t>
-            </a:r>
-          </a:p>
-          <a:p>
-            <a:r>
-              <a:rPr lang="fr-FR"/>
-              <a:t>see </a:t>
-            </a:r>
             <a:r>
               <a:rPr lang="fr-FR">
                 <a:hlinkClick r:id="rId2"/>
               </a:rPr>
-              <a:t>https://www.ritchievink.com/blog/2018/09/26/algorithm-breakdown-ar-ma-and-arima-models/</a:t>
-            </a:r>
+              <a:t>https://blog.arkieva.com/the-family-tree-of-mape/</a:t>
+            </a:r>
+            <a:endParaRPr lang="fr-FR"/>
+          </a:p>
+          <a:p>
+            <a:endParaRPr lang="fr-FR"/>
+          </a:p>
+        </p:txBody>
+      </p:sp>
+      <p:pic>
+        <p:nvPicPr>
+          <p:cNvPr id="9" name="Picture 8">
+            <a:extLst>
+              <a:ext uri="{FF2B5EF4-FFF2-40B4-BE49-F238E27FC236}">
+                <a16:creationId xmlns:a16="http://schemas.microsoft.com/office/drawing/2014/main" id="{A633C340-220B-9943-A678-113F1BB09AB9}"/>
+              </a:ext>
+            </a:extLst>
+          </p:cNvPr>
+          <p:cNvPicPr>
+            <a:picLocks noChangeAspect="1"/>
+          </p:cNvPicPr>
+          <p:nvPr/>
+        </p:nvPicPr>
+        <p:blipFill>
+          <a:blip r:embed="rId3"/>
+          <a:stretch>
+            <a:fillRect/>
+          </a:stretch>
+        </p:blipFill>
+        <p:spPr>
+          <a:xfrm>
+            <a:off x="3740150" y="4894267"/>
+            <a:ext cx="6057900" cy="1397000"/>
+          </a:xfrm>
+          <a:prstGeom prst="rect">
+            <a:avLst/>
+          </a:prstGeom>
+        </p:spPr>
+      </p:pic>
+      <p:pic>
+        <p:nvPicPr>
+          <p:cNvPr id="11" name="Picture 10">
+            <a:extLst>
+              <a:ext uri="{FF2B5EF4-FFF2-40B4-BE49-F238E27FC236}">
+                <a16:creationId xmlns:a16="http://schemas.microsoft.com/office/drawing/2014/main" id="{0359C20C-1691-A944-9394-04B54CEAC440}"/>
+              </a:ext>
+            </a:extLst>
+          </p:cNvPr>
+          <p:cNvPicPr>
+            <a:picLocks noChangeAspect="1"/>
+          </p:cNvPicPr>
+          <p:nvPr/>
+        </p:nvPicPr>
+        <p:blipFill>
+          <a:blip r:embed="rId4"/>
+          <a:stretch>
+            <a:fillRect/>
+          </a:stretch>
+        </p:blipFill>
+        <p:spPr>
+          <a:xfrm>
+            <a:off x="3740150" y="2322514"/>
+            <a:ext cx="4711700" cy="1295400"/>
+          </a:xfrm>
+          <a:prstGeom prst="rect">
+            <a:avLst/>
+          </a:prstGeom>
+        </p:spPr>
+      </p:pic>
+      <p:pic>
+        <p:nvPicPr>
+          <p:cNvPr id="13" name="Picture 12">
+            <a:extLst>
+              <a:ext uri="{FF2B5EF4-FFF2-40B4-BE49-F238E27FC236}">
+                <a16:creationId xmlns:a16="http://schemas.microsoft.com/office/drawing/2014/main" id="{42687A6F-6150-1247-B2C7-9392E20A09FB}"/>
+              </a:ext>
+            </a:extLst>
+          </p:cNvPr>
+          <p:cNvPicPr>
+            <a:picLocks noChangeAspect="1"/>
+          </p:cNvPicPr>
+          <p:nvPr/>
+        </p:nvPicPr>
+        <p:blipFill>
+          <a:blip r:embed="rId5"/>
+          <a:stretch>
+            <a:fillRect/>
+          </a:stretch>
+        </p:blipFill>
+        <p:spPr>
+          <a:xfrm>
+            <a:off x="3813175" y="3487739"/>
+            <a:ext cx="5308600" cy="1422400"/>
+          </a:xfrm>
+          <a:prstGeom prst="rect">
+            <a:avLst/>
+          </a:prstGeom>
+        </p:spPr>
+      </p:pic>
+      <p:sp>
+        <p:nvSpPr>
+          <p:cNvPr id="14" name="TextBox 13">
+            <a:extLst>
+              <a:ext uri="{FF2B5EF4-FFF2-40B4-BE49-F238E27FC236}">
+                <a16:creationId xmlns:a16="http://schemas.microsoft.com/office/drawing/2014/main" id="{CB77060C-6418-A54F-9488-5F3D65A4B12B}"/>
+              </a:ext>
+            </a:extLst>
+          </p:cNvPr>
+          <p:cNvSpPr txBox="1"/>
+          <p:nvPr/>
+        </p:nvSpPr>
+        <p:spPr>
+          <a:xfrm>
+            <a:off x="959965" y="2785548"/>
+            <a:ext cx="2658420" cy="369332"/>
+          </a:xfrm>
+          <a:prstGeom prst="rect">
+            <a:avLst/>
+          </a:prstGeom>
+          <a:noFill/>
+        </p:spPr>
+        <p:txBody>
+          <a:bodyPr wrap="none" rtlCol="0">
+            <a:spAutoFit/>
+          </a:bodyPr>
+          <a:lstStyle/>
+          <a:p>
             <a:r>
               <a:rPr lang="fr-FR"/>
-              <a:t> </a:t>
+              <a:t>Bias towards low forecasts</a:t>
+            </a:r>
+          </a:p>
+        </p:txBody>
+      </p:sp>
+      <p:sp>
+        <p:nvSpPr>
+          <p:cNvPr id="15" name="TextBox 14">
+            <a:extLst>
+              <a:ext uri="{FF2B5EF4-FFF2-40B4-BE49-F238E27FC236}">
+                <a16:creationId xmlns:a16="http://schemas.microsoft.com/office/drawing/2014/main" id="{5A245179-9618-644E-A41E-9C49A191E311}"/>
+              </a:ext>
+            </a:extLst>
+          </p:cNvPr>
+          <p:cNvSpPr txBox="1"/>
+          <p:nvPr/>
+        </p:nvSpPr>
+        <p:spPr>
+          <a:xfrm>
+            <a:off x="838200" y="4014273"/>
+            <a:ext cx="2725041" cy="369332"/>
+          </a:xfrm>
+          <a:prstGeom prst="rect">
+            <a:avLst/>
+          </a:prstGeom>
+          <a:noFill/>
+        </p:spPr>
+        <p:txBody>
+          <a:bodyPr wrap="none" rtlCol="0">
+            <a:spAutoFit/>
+          </a:bodyPr>
+          <a:lstStyle/>
+          <a:p>
+            <a:r>
+              <a:rPr lang="fr-FR"/>
+              <a:t>Bias towards high forecasts</a:t>
             </a:r>
           </a:p>
         </p:txBody>
@@ -3731,7 +4183,7 @@
     </p:spTree>
     <p:extLst>
       <p:ext uri="{BB962C8B-B14F-4D97-AF65-F5344CB8AC3E}">
-        <p14:creationId xmlns:p14="http://schemas.microsoft.com/office/powerpoint/2010/main" val="853098164"/>
+        <p14:creationId xmlns:p14="http://schemas.microsoft.com/office/powerpoint/2010/main" val="2274924772"/>
       </p:ext>
     </p:extLst>
   </p:cSld>
@@ -3763,7 +4215,7 @@
           <p:cNvPr id="2" name="Title 1">
             <a:extLst>
               <a:ext uri="{FF2B5EF4-FFF2-40B4-BE49-F238E27FC236}">
-                <a16:creationId xmlns:a16="http://schemas.microsoft.com/office/drawing/2014/main" id="{E68D1682-2563-6B4B-9FE2-550786D30CB5}"/>
+                <a16:creationId xmlns:a16="http://schemas.microsoft.com/office/drawing/2014/main" id="{1BA2CDAE-E9C0-A144-98B3-F95CB1F5FE05}"/>
               </a:ext>
             </a:extLst>
           </p:cNvPr>
@@ -3781,7 +4233,7 @@
           <a:p>
             <a:r>
               <a:rPr lang="fr-FR"/>
-              <a:t>Order of ARIMA(,d,q)</a:t>
+              <a:t>DPA</a:t>
             </a:r>
           </a:p>
         </p:txBody>
@@ -3791,7 +4243,7 @@
           <p:cNvPr id="3" name="Content Placeholder 2">
             <a:extLst>
               <a:ext uri="{FF2B5EF4-FFF2-40B4-BE49-F238E27FC236}">
-                <a16:creationId xmlns:a16="http://schemas.microsoft.com/office/drawing/2014/main" id="{A4CC4E2A-FC03-684B-8A43-1EE54D78750D}"/>
+                <a16:creationId xmlns:a16="http://schemas.microsoft.com/office/drawing/2014/main" id="{08F6ED83-0201-EF4F-9B25-25AF6244CDFE}"/>
               </a:ext>
             </a:extLst>
           </p:cNvPr>
@@ -3809,15 +4261,45 @@
           <a:p>
             <a:r>
               <a:rPr lang="fr-FR"/>
-              <a:t>autocorrelation and partial autocorrelation functions</a:t>
-            </a:r>
+              <a:t>dpa = sum(abs(actuals - forecast) ) / sum(forecast)</a:t>
+            </a:r>
+          </a:p>
+          <a:p>
+            <a:r>
+              <a:rPr lang="fr-FR"/>
+              <a:t>sum over all products</a:t>
+            </a:r>
+          </a:p>
+          <a:p>
+            <a:r>
+              <a:rPr lang="fr-FR"/>
+              <a:t>biais:</a:t>
+            </a:r>
+          </a:p>
+          <a:p>
+            <a:pPr lvl="1"/>
+            <a:r>
+              <a:rPr lang="fr-FR"/>
+              <a:t>high forecast reduces the ratio</a:t>
+            </a:r>
+          </a:p>
+          <a:p>
+            <a:pPr lvl="1"/>
+            <a:r>
+              <a:rPr lang="fr-FR"/>
+              <a:t>low volume products count less than high volume ones</a:t>
+            </a:r>
+          </a:p>
+          <a:p>
+            <a:pPr lvl="1"/>
+            <a:endParaRPr lang="fr-FR"/>
           </a:p>
         </p:txBody>
       </p:sp>
     </p:spTree>
     <p:extLst>
       <p:ext uri="{BB962C8B-B14F-4D97-AF65-F5344CB8AC3E}">
-        <p14:creationId xmlns:p14="http://schemas.microsoft.com/office/powerpoint/2010/main" val="3398648227"/>
+        <p14:creationId xmlns:p14="http://schemas.microsoft.com/office/powerpoint/2010/main" val="144040234"/>
       </p:ext>
     </p:extLst>
   </p:cSld>
@@ -3849,7 +4331,7 @@
           <p:cNvPr id="2" name="Title 1">
             <a:extLst>
               <a:ext uri="{FF2B5EF4-FFF2-40B4-BE49-F238E27FC236}">
-                <a16:creationId xmlns:a16="http://schemas.microsoft.com/office/drawing/2014/main" id="{72E75B77-B66F-7040-8F98-955BF218C143}"/>
+                <a16:creationId xmlns:a16="http://schemas.microsoft.com/office/drawing/2014/main" id="{A702A581-485A-E944-9191-F89B92F98162}"/>
               </a:ext>
             </a:extLst>
           </p:cNvPr>
@@ -3867,7 +4349,7 @@
           <a:p>
             <a:r>
               <a:rPr lang="fr-FR"/>
-              <a:t>AR1</a:t>
+              <a:t>Data</a:t>
             </a:r>
           </a:p>
         </p:txBody>
@@ -3877,7 +4359,7 @@
           <p:cNvPr id="3" name="Content Placeholder 2">
             <a:extLst>
               <a:ext uri="{FF2B5EF4-FFF2-40B4-BE49-F238E27FC236}">
-                <a16:creationId xmlns:a16="http://schemas.microsoft.com/office/drawing/2014/main" id="{5CCA192C-EE5C-6347-8ADE-A7538B5CFBCA}"/>
+                <a16:creationId xmlns:a16="http://schemas.microsoft.com/office/drawing/2014/main" id="{85256542-0B82-1E47-897A-03B69C684F19}"/>
               </a:ext>
             </a:extLst>
           </p:cNvPr>
@@ -3895,28 +4377,33 @@
           <a:p>
             <a:r>
               <a:rPr lang="fr-FR"/>
-              <a:t> </a:t>
-            </a:r>
-            <a:r>
-              <a:rPr lang="en-US" b="1"/>
-              <a:t>Bayesian Auto-Regressive Time Series Analysis in PYMC3</a:t>
-            </a:r>
-          </a:p>
-          <a:p>
-            <a:pPr marL="0" indent="0">
-              <a:buNone/>
-            </a:pPr>
-            <a:r>
-              <a:rPr lang="en-US"/>
-              <a:t>http://barnesanalytics.com/bayesian-auto-regressive-time-series-analysis-pymc3</a:t>
-            </a:r>
+              <a:t>Time series of sales over 36 months for N products</a:t>
+            </a:r>
+          </a:p>
+          <a:p>
+            <a:pPr lvl="1"/>
+            <a:r>
+              <a:rPr lang="fr-FR"/>
+              <a:t>high volume vs low volume</a:t>
+            </a:r>
+          </a:p>
+          <a:p>
+            <a:pPr lvl="1"/>
+            <a:r>
+              <a:rPr lang="fr-FR"/>
+              <a:t>intermittent</a:t>
+            </a:r>
+          </a:p>
+          <a:p>
+            <a:pPr lvl="1"/>
+            <a:endParaRPr lang="fr-FR"/>
           </a:p>
         </p:txBody>
       </p:sp>
     </p:spTree>
     <p:extLst>
       <p:ext uri="{BB962C8B-B14F-4D97-AF65-F5344CB8AC3E}">
-        <p14:creationId xmlns:p14="http://schemas.microsoft.com/office/powerpoint/2010/main" val="1095677492"/>
+        <p14:creationId xmlns:p14="http://schemas.microsoft.com/office/powerpoint/2010/main" val="44704857"/>
       </p:ext>
     </p:extLst>
   </p:cSld>
@@ -3948,15 +4435,15 @@
           <p:cNvPr id="2" name="Title 1">
             <a:extLst>
               <a:ext uri="{FF2B5EF4-FFF2-40B4-BE49-F238E27FC236}">
-                <a16:creationId xmlns:a16="http://schemas.microsoft.com/office/drawing/2014/main" id="{37DA5FD4-B1B5-804B-A6C1-964741A37325}"/>
-              </a:ext>
-            </a:extLst>
-          </p:cNvPr>
-          <p:cNvSpPr>
-            <a:spLocks noGrp="1"/>
-          </p:cNvSpPr>
-          <p:nvPr>
-            <p:ph type="ctrTitle"/>
+                <a16:creationId xmlns:a16="http://schemas.microsoft.com/office/drawing/2014/main" id="{15DD5FC3-2A4E-184C-AF70-DA374EDD0338}"/>
+              </a:ext>
+            </a:extLst>
+          </p:cNvPr>
+          <p:cNvSpPr>
+            <a:spLocks noGrp="1"/>
+          </p:cNvSpPr>
+          <p:nvPr>
+            <p:ph type="title"/>
           </p:nvPr>
         </p:nvSpPr>
         <p:spPr/>
@@ -3966,40 +4453,73 @@
           <a:p>
             <a:r>
               <a:rPr lang="fr-FR"/>
-              <a:t>Phase detection</a:t>
-            </a:r>
-          </a:p>
-        </p:txBody>
-      </p:sp>
-      <p:sp>
-        <p:nvSpPr>
-          <p:cNvPr id="3" name="Subtitle 2">
-            <a:extLst>
-              <a:ext uri="{FF2B5EF4-FFF2-40B4-BE49-F238E27FC236}">
-                <a16:creationId xmlns:a16="http://schemas.microsoft.com/office/drawing/2014/main" id="{44E6A109-C877-074B-B539-EC9E2C56B413}"/>
-              </a:ext>
-            </a:extLst>
-          </p:cNvPr>
-          <p:cNvSpPr>
-            <a:spLocks noGrp="1"/>
-          </p:cNvSpPr>
-          <p:nvPr>
-            <p:ph type="subTitle" idx="1"/>
-          </p:nvPr>
-        </p:nvSpPr>
-        <p:spPr/>
-        <p:txBody>
-          <a:bodyPr/>
-          <a:lstStyle/>
-          <a:p>
-            <a:endParaRPr lang="fr-FR"/>
-          </a:p>
-        </p:txBody>
-      </p:sp>
+              <a:t>Goal</a:t>
+            </a:r>
+          </a:p>
+        </p:txBody>
+      </p:sp>
+      <p:sp>
+        <p:nvSpPr>
+          <p:cNvPr id="3" name="Content Placeholder 2">
+            <a:extLst>
+              <a:ext uri="{FF2B5EF4-FFF2-40B4-BE49-F238E27FC236}">
+                <a16:creationId xmlns:a16="http://schemas.microsoft.com/office/drawing/2014/main" id="{118EEDE0-5FF4-444C-B16B-0D57F5093BB6}"/>
+              </a:ext>
+            </a:extLst>
+          </p:cNvPr>
+          <p:cNvSpPr>
+            <a:spLocks noGrp="1"/>
+          </p:cNvSpPr>
+          <p:nvPr>
+            <p:ph idx="1"/>
+          </p:nvPr>
+        </p:nvSpPr>
+        <p:spPr/>
+        <p:txBody>
+          <a:bodyPr/>
+          <a:lstStyle/>
+          <a:p>
+            <a:r>
+              <a:rPr lang="fr-FR"/>
+              <a:t>Using PyMC3 timeseries distributions obtain the best DPA across all products for one month ahead predictions</a:t>
+            </a:r>
+          </a:p>
+        </p:txBody>
+      </p:sp>
+      <p:pic>
+        <p:nvPicPr>
+          <p:cNvPr id="5" name="Picture 4">
+            <a:extLst>
+              <a:ext uri="{FF2B5EF4-FFF2-40B4-BE49-F238E27FC236}">
+                <a16:creationId xmlns:a16="http://schemas.microsoft.com/office/drawing/2014/main" id="{9A8073FC-4FCB-AC48-9A3E-9FE01B3265CA}"/>
+              </a:ext>
+            </a:extLst>
+          </p:cNvPr>
+          <p:cNvPicPr>
+            <a:picLocks noChangeAspect="1"/>
+          </p:cNvPicPr>
+          <p:nvPr/>
+        </p:nvPicPr>
+        <p:blipFill>
+          <a:blip r:embed="rId2"/>
+          <a:stretch>
+            <a:fillRect/>
+          </a:stretch>
+        </p:blipFill>
+        <p:spPr>
+          <a:xfrm>
+            <a:off x="0" y="2716302"/>
+            <a:ext cx="12192000" cy="3460661"/>
+          </a:xfrm>
+          <a:prstGeom prst="rect">
+            <a:avLst/>
+          </a:prstGeom>
+        </p:spPr>
+      </p:pic>
     </p:spTree>
     <p:extLst>
       <p:ext uri="{BB962C8B-B14F-4D97-AF65-F5344CB8AC3E}">
-        <p14:creationId xmlns:p14="http://schemas.microsoft.com/office/powerpoint/2010/main" val="3049699404"/>
+        <p14:creationId xmlns:p14="http://schemas.microsoft.com/office/powerpoint/2010/main" val="521886991"/>
       </p:ext>
     </p:extLst>
   </p:cSld>
@@ -4031,7 +4551,7 @@
           <p:cNvPr id="2" name="Title 1">
             <a:extLst>
               <a:ext uri="{FF2B5EF4-FFF2-40B4-BE49-F238E27FC236}">
-                <a16:creationId xmlns:a16="http://schemas.microsoft.com/office/drawing/2014/main" id="{AF7363B9-39A5-504B-8DF2-AC539BA6E393}"/>
+                <a16:creationId xmlns:a16="http://schemas.microsoft.com/office/drawing/2014/main" id="{B82FE338-96D8-4A4E-A6B4-BA01038F978A}"/>
               </a:ext>
             </a:extLst>
           </p:cNvPr>
@@ -4047,7 +4567,10 @@
           <a:bodyPr/>
           <a:lstStyle/>
           <a:p>
-            <a:endParaRPr lang="fr-FR"/>
+            <a:r>
+              <a:rPr lang="fr-FR"/>
+              <a:t>Plan</a:t>
+            </a:r>
           </a:p>
         </p:txBody>
       </p:sp>
@@ -4056,7 +4579,7 @@
           <p:cNvPr id="3" name="Content Placeholder 2">
             <a:extLst>
               <a:ext uri="{FF2B5EF4-FFF2-40B4-BE49-F238E27FC236}">
-                <a16:creationId xmlns:a16="http://schemas.microsoft.com/office/drawing/2014/main" id="{0B2C86BA-185E-FE43-939B-E0562E771E45}"/>
+                <a16:creationId xmlns:a16="http://schemas.microsoft.com/office/drawing/2014/main" id="{60BB99DC-F6FF-324C-96AD-0634D88A8E11}"/>
               </a:ext>
             </a:extLst>
           </p:cNvPr>
@@ -4069,51 +4592,43 @@
         </p:nvSpPr>
         <p:spPr/>
         <p:txBody>
-          <a:bodyPr>
-            <a:normAutofit fontScale="92500" lnSpcReduction="10000"/>
-          </a:bodyPr>
-          <a:lstStyle/>
-          <a:p>
-            <a:r>
-              <a:rPr lang="fr"/>
-              <a:t>Phase detection in time series</a:t>
-            </a:r>
-          </a:p>
-          <a:p>
-            <a:r>
-              <a:rPr lang="fr"/>
-              <a:t>- IoT, simple texting example</a:t>
-            </a:r>
-          </a:p>
-          <a:p>
-            <a:r>
-              <a:rPr lang="fr"/>
-              <a:t>- application to ELX sales, financial series, ...</a:t>
-            </a:r>
-          </a:p>
-          <a:p>
-            <a:endParaRPr lang="fr"/>
-          </a:p>
-          <a:p>
-            <a:r>
-              <a:rPr lang="fr"/>
-              <a:t>Etant donnée une serie temporelle, nous allons detecter si un changement de phase apparait et determiner les parametres des differentes phases.</a:t>
-            </a:r>
-          </a:p>
-          <a:p>
-            <a:endParaRPr lang="fr"/>
-          </a:p>
-          <a:p>
-            <a:r>
-              <a:rPr lang="fr"/>
-              <a:t>- Etude d'un cas d'école: nombre de messages émis par jour sur une periode donnée.</a:t>
-            </a:r>
-          </a:p>
-          <a:p>
-            <a:r>
-              <a:rPr lang="fr"/>
-              <a:t>- Modelisation du phénomène, resultats, interpretation</a:t>
-            </a:r>
+          <a:bodyPr/>
+          <a:lstStyle/>
+          <a:p>
+            <a:r>
+              <a:rPr lang="fr-FR"/>
+              <a:t>load and explore</a:t>
+            </a:r>
+          </a:p>
+          <a:p>
+            <a:r>
+              <a:rPr lang="fr-FR"/>
+              <a:t>stationnary ?</a:t>
+            </a:r>
+          </a:p>
+          <a:p>
+            <a:r>
+              <a:rPr lang="fr-FR"/>
+              <a:t>Establish baseline : average, n-1 on smoothed data, …</a:t>
+            </a:r>
+          </a:p>
+          <a:p>
+            <a:r>
+              <a:rPr lang="fr-FR"/>
+              <a:t>Try to apply ARIMA methods using statsmodel</a:t>
+            </a:r>
+          </a:p>
+          <a:p>
+            <a:endParaRPr lang="fr-FR"/>
+          </a:p>
+          <a:p>
+            <a:endParaRPr lang="fr-FR"/>
+          </a:p>
+          <a:p>
+            <a:endParaRPr lang="fr-FR"/>
+          </a:p>
+          <a:p>
+            <a:endParaRPr lang="fr-FR"/>
           </a:p>
           <a:p>
             <a:endParaRPr lang="fr-FR"/>
@@ -4123,7 +4638,7 @@
     </p:spTree>
     <p:extLst>
       <p:ext uri="{BB962C8B-B14F-4D97-AF65-F5344CB8AC3E}">
-        <p14:creationId xmlns:p14="http://schemas.microsoft.com/office/powerpoint/2010/main" val="883739737"/>
+        <p14:creationId xmlns:p14="http://schemas.microsoft.com/office/powerpoint/2010/main" val="920279874"/>
       </p:ext>
     </p:extLst>
   </p:cSld>
@@ -4155,15 +4670,15 @@
           <p:cNvPr id="2" name="Title 1">
             <a:extLst>
               <a:ext uri="{FF2B5EF4-FFF2-40B4-BE49-F238E27FC236}">
-                <a16:creationId xmlns:a16="http://schemas.microsoft.com/office/drawing/2014/main" id="{A9036A90-300B-0B46-BDDE-CCC6740D1857}"/>
-              </a:ext>
-            </a:extLst>
-          </p:cNvPr>
-          <p:cNvSpPr>
-            <a:spLocks noGrp="1"/>
-          </p:cNvSpPr>
-          <p:nvPr>
-            <p:ph type="ctrTitle"/>
+                <a16:creationId xmlns:a16="http://schemas.microsoft.com/office/drawing/2014/main" id="{090BC6FA-977C-BB43-9B4A-66802FEBB9AB}"/>
+              </a:ext>
+            </a:extLst>
+          </p:cNvPr>
+          <p:cNvSpPr>
+            <a:spLocks noGrp="1"/>
+          </p:cNvSpPr>
+          <p:nvPr>
+            <p:ph type="title"/>
           </p:nvPr>
         </p:nvSpPr>
         <p:spPr/>
@@ -4173,32 +4688,60 @@
           <a:p>
             <a:r>
               <a:rPr lang="fr-FR"/>
-              <a:t>Intermittemt demand</a:t>
-            </a:r>
-          </a:p>
-        </p:txBody>
-      </p:sp>
-      <p:sp>
-        <p:nvSpPr>
-          <p:cNvPr id="3" name="Subtitle 2">
-            <a:extLst>
-              <a:ext uri="{FF2B5EF4-FFF2-40B4-BE49-F238E27FC236}">
-                <a16:creationId xmlns:a16="http://schemas.microsoft.com/office/drawing/2014/main" id="{0698A855-CFB5-484E-8B19-F83E57C36092}"/>
-              </a:ext>
-            </a:extLst>
-          </p:cNvPr>
-          <p:cNvSpPr>
-            <a:spLocks noGrp="1"/>
-          </p:cNvSpPr>
-          <p:nvPr>
-            <p:ph type="subTitle" idx="1"/>
-          </p:nvPr>
-        </p:nvSpPr>
-        <p:spPr/>
-        <p:txBody>
-          <a:bodyPr/>
-          <a:lstStyle/>
-          <a:p>
+              <a:t>With probabilistic programming</a:t>
+            </a:r>
+          </a:p>
+        </p:txBody>
+      </p:sp>
+      <p:sp>
+        <p:nvSpPr>
+          <p:cNvPr id="3" name="Content Placeholder 2">
+            <a:extLst>
+              <a:ext uri="{FF2B5EF4-FFF2-40B4-BE49-F238E27FC236}">
+                <a16:creationId xmlns:a16="http://schemas.microsoft.com/office/drawing/2014/main" id="{A556C502-BED8-6740-879A-179DCEC39708}"/>
+              </a:ext>
+            </a:extLst>
+          </p:cNvPr>
+          <p:cNvSpPr>
+            <a:spLocks noGrp="1"/>
+          </p:cNvSpPr>
+          <p:nvPr>
+            <p:ph idx="1"/>
+          </p:nvPr>
+        </p:nvSpPr>
+        <p:spPr/>
+        <p:txBody>
+          <a:bodyPr/>
+          <a:lstStyle/>
+          <a:p>
+            <a:r>
+              <a:rPr lang="fr-FR"/>
+              <a:t>Suggestions</a:t>
+            </a:r>
+          </a:p>
+          <a:p>
+            <a:pPr lvl="1"/>
+            <a:r>
+              <a:rPr lang="fr-FR"/>
+              <a:t>Try fitting an AR1 model</a:t>
+            </a:r>
+          </a:p>
+          <a:p>
+            <a:pPr lvl="1"/>
+            <a:r>
+              <a:rPr lang="fr-FR"/>
+              <a:t>Use the Random Walk distribution</a:t>
+            </a:r>
+          </a:p>
+          <a:p>
+            <a:pPr lvl="1"/>
+            <a:r>
+              <a:rPr lang="fr-FR"/>
+              <a:t>how to make predictions with PyMC3</a:t>
+            </a:r>
+          </a:p>
+          <a:p>
+            <a:pPr lvl="1"/>
             <a:endParaRPr lang="fr-FR"/>
           </a:p>
         </p:txBody>
@@ -4206,7 +4749,7 @@
     </p:spTree>
     <p:extLst>
       <p:ext uri="{BB962C8B-B14F-4D97-AF65-F5344CB8AC3E}">
-        <p14:creationId xmlns:p14="http://schemas.microsoft.com/office/powerpoint/2010/main" val="2585392651"/>
+        <p14:creationId xmlns:p14="http://schemas.microsoft.com/office/powerpoint/2010/main" val="2364693760"/>
       </p:ext>
     </p:extLst>
   </p:cSld>
@@ -4238,59 +4781,61 @@
           <p:cNvPr id="2" name="Title 1">
             <a:extLst>
               <a:ext uri="{FF2B5EF4-FFF2-40B4-BE49-F238E27FC236}">
-                <a16:creationId xmlns:a16="http://schemas.microsoft.com/office/drawing/2014/main" id="{D7EC415C-4584-634A-B436-4B12A478F26F}"/>
-              </a:ext>
-            </a:extLst>
-          </p:cNvPr>
-          <p:cNvSpPr>
-            <a:spLocks noGrp="1"/>
-          </p:cNvSpPr>
-          <p:nvPr>
-            <p:ph type="title"/>
-          </p:nvPr>
-        </p:nvSpPr>
-        <p:spPr/>
-        <p:txBody>
-          <a:bodyPr/>
-          <a:lstStyle/>
-          <a:p>
-            <a:endParaRPr lang="fr-FR"/>
-          </a:p>
-        </p:txBody>
-      </p:sp>
-      <p:sp>
-        <p:nvSpPr>
-          <p:cNvPr id="3" name="Content Placeholder 2">
-            <a:extLst>
-              <a:ext uri="{FF2B5EF4-FFF2-40B4-BE49-F238E27FC236}">
-                <a16:creationId xmlns:a16="http://schemas.microsoft.com/office/drawing/2014/main" id="{553E084A-01B8-3F4C-B6D6-0B1158ADCB7C}"/>
-              </a:ext>
-            </a:extLst>
-          </p:cNvPr>
-          <p:cNvSpPr>
-            <a:spLocks noGrp="1"/>
-          </p:cNvSpPr>
-          <p:nvPr>
-            <p:ph idx="1"/>
-          </p:nvPr>
-        </p:nvSpPr>
-        <p:spPr/>
-        <p:txBody>
-          <a:bodyPr/>
-          <a:lstStyle/>
-          <a:p>
-            <a:r>
-              <a:rPr lang="en-US"/>
-              <a:t>pm.DensityDist </a:t>
-            </a:r>
-            <a:endParaRPr lang="fr-FR"/>
+                <a16:creationId xmlns:a16="http://schemas.microsoft.com/office/drawing/2014/main" id="{BB0EB61E-8D0A-594A-8BA0-BBEF3DF1550A}"/>
+              </a:ext>
+            </a:extLst>
+          </p:cNvPr>
+          <p:cNvSpPr>
+            <a:spLocks noGrp="1"/>
+          </p:cNvSpPr>
+          <p:nvPr>
+            <p:ph type="ctrTitle"/>
+          </p:nvPr>
+        </p:nvSpPr>
+        <p:spPr/>
+        <p:txBody>
+          <a:bodyPr/>
+          <a:lstStyle/>
+          <a:p>
+            <a:r>
+              <a:rPr lang="fr-FR"/>
+              <a:t>ARIMA</a:t>
+            </a:r>
+          </a:p>
+        </p:txBody>
+      </p:sp>
+      <p:sp>
+        <p:nvSpPr>
+          <p:cNvPr id="3" name="Subtitle 2">
+            <a:extLst>
+              <a:ext uri="{FF2B5EF4-FFF2-40B4-BE49-F238E27FC236}">
+                <a16:creationId xmlns:a16="http://schemas.microsoft.com/office/drawing/2014/main" id="{75856214-B0D5-CA46-B6F3-757643764184}"/>
+              </a:ext>
+            </a:extLst>
+          </p:cNvPr>
+          <p:cNvSpPr>
+            <a:spLocks noGrp="1"/>
+          </p:cNvSpPr>
+          <p:nvPr>
+            <p:ph type="subTitle" idx="1"/>
+          </p:nvPr>
+        </p:nvSpPr>
+        <p:spPr/>
+        <p:txBody>
+          <a:bodyPr/>
+          <a:lstStyle/>
+          <a:p>
+            <a:r>
+              <a:rPr lang="fr-FR"/>
+              <a:t>recap</a:t>
+            </a:r>
           </a:p>
         </p:txBody>
       </p:sp>
     </p:spTree>
     <p:extLst>
       <p:ext uri="{BB962C8B-B14F-4D97-AF65-F5344CB8AC3E}">
-        <p14:creationId xmlns:p14="http://schemas.microsoft.com/office/powerpoint/2010/main" val="3349444587"/>
+        <p14:creationId xmlns:p14="http://schemas.microsoft.com/office/powerpoint/2010/main" val="1394821738"/>
       </p:ext>
     </p:extLst>
   </p:cSld>
